--- a/apresentacoes/TreinamentoMaven_Dia-4_ConceitosAvancados.pptx
+++ b/apresentacoes/TreinamentoMaven_Dia-4_ConceitosAvancados.pptx
@@ -845,6 +845,327 @@
     </a:lvl9pPr>
   </p:notesStyle>
 </p:notesMaster>
+</file>
+
+<file path=ppt/notesSlides/notesSlide1.xml><?xml version="1.0" encoding="utf-8"?>
+<p:notes xmlns:a="http://schemas.openxmlformats.org/drawingml/2006/main" xmlns:r="http://schemas.openxmlformats.org/officeDocument/2006/relationships" xmlns:p="http://schemas.openxmlformats.org/presentationml/2006/main">
+  <p:cSld>
+    <p:spTree>
+      <p:nvGrpSpPr>
+        <p:cNvPr id="1" name=""/>
+        <p:cNvGrpSpPr/>
+        <p:nvPr/>
+      </p:nvGrpSpPr>
+      <p:grpSpPr>
+        <a:xfrm>
+          <a:off x="0" y="0"/>
+          <a:ext cx="0" cy="0"/>
+          <a:chOff x="0" y="0"/>
+          <a:chExt cx="0" cy="0"/>
+        </a:xfrm>
+      </p:grpSpPr>
+      <p:sp>
+        <p:nvSpPr>
+          <p:cNvPr id="2" name="Slide Image Placeholder 1"/>
+          <p:cNvSpPr>
+            <a:spLocks noGrp="1" noRot="1" noChangeAspect="1"/>
+          </p:cNvSpPr>
+          <p:nvPr>
+            <p:ph type="sldImg"/>
+          </p:nvPr>
+        </p:nvSpPr>
+        <p:spPr/>
+      </p:sp>
+      <p:sp>
+        <p:nvSpPr>
+          <p:cNvPr id="3" name="Notes Placeholder 2"/>
+          <p:cNvSpPr>
+            <a:spLocks noGrp="1"/>
+          </p:cNvSpPr>
+          <p:nvPr>
+            <p:ph type="body" idx="1"/>
+          </p:nvPr>
+        </p:nvSpPr>
+        <p:spPr/>
+        <p:txBody>
+          <a:bodyPr/>
+          <a:lstStyle/>
+          <a:p>
+            <a:endParaRPr lang="en-US" dirty="0"/>
+          </a:p>
+        </p:txBody>
+      </p:sp>
+      <p:sp>
+        <p:nvSpPr>
+          <p:cNvPr id="4" name="Slide Number Placeholder 3"/>
+          <p:cNvSpPr>
+            <a:spLocks noGrp="1"/>
+          </p:cNvSpPr>
+          <p:nvPr>
+            <p:ph type="sldNum" sz="quarter" idx="10"/>
+          </p:nvPr>
+        </p:nvSpPr>
+        <p:spPr/>
+        <p:txBody>
+          <a:bodyPr/>
+          <a:lstStyle/>
+          <a:p>
+            <a:pPr>
+              <a:defRPr/>
+            </a:pPr>
+            <a:fld id="{E2C33FFE-9E40-45AE-ADB4-459348747635}" type="slidenum">
+              <a:rPr lang="es-ES_tradnl" smtClean="0"/>
+              <a:pPr>
+                <a:defRPr/>
+              </a:pPr>
+              <a:t>7</a:t>
+            </a:fld>
+            <a:endParaRPr lang="es-ES_tradnl"/>
+          </a:p>
+        </p:txBody>
+      </p:sp>
+    </p:spTree>
+    <p:extLst>
+      <p:ext uri="{BB962C8B-B14F-4D97-AF65-F5344CB8AC3E}">
+        <p14:creationId xmlns:p14="http://schemas.microsoft.com/office/powerpoint/2010/main" val="4137085060"/>
+      </p:ext>
+    </p:extLst>
+  </p:cSld>
+  <p:clrMapOvr>
+    <a:masterClrMapping/>
+  </p:clrMapOvr>
+</p:notes>
+</file>
+
+<file path=ppt/notesSlides/notesSlide2.xml><?xml version="1.0" encoding="utf-8"?>
+<p:notes xmlns:a="http://schemas.openxmlformats.org/drawingml/2006/main" xmlns:r="http://schemas.openxmlformats.org/officeDocument/2006/relationships" xmlns:p="http://schemas.openxmlformats.org/presentationml/2006/main">
+  <p:cSld>
+    <p:spTree>
+      <p:nvGrpSpPr>
+        <p:cNvPr id="1" name=""/>
+        <p:cNvGrpSpPr/>
+        <p:nvPr/>
+      </p:nvGrpSpPr>
+      <p:grpSpPr>
+        <a:xfrm>
+          <a:off x="0" y="0"/>
+          <a:ext cx="0" cy="0"/>
+          <a:chOff x="0" y="0"/>
+          <a:chExt cx="0" cy="0"/>
+        </a:xfrm>
+      </p:grpSpPr>
+      <p:sp>
+        <p:nvSpPr>
+          <p:cNvPr id="2" name="Slide Image Placeholder 1"/>
+          <p:cNvSpPr>
+            <a:spLocks noGrp="1" noRot="1" noChangeAspect="1"/>
+          </p:cNvSpPr>
+          <p:nvPr>
+            <p:ph type="sldImg"/>
+          </p:nvPr>
+        </p:nvSpPr>
+        <p:spPr/>
+      </p:sp>
+      <p:sp>
+        <p:nvSpPr>
+          <p:cNvPr id="3" name="Notes Placeholder 2"/>
+          <p:cNvSpPr>
+            <a:spLocks noGrp="1"/>
+          </p:cNvSpPr>
+          <p:nvPr>
+            <p:ph type="body" idx="1"/>
+          </p:nvPr>
+        </p:nvSpPr>
+        <p:spPr/>
+        <p:txBody>
+          <a:bodyPr/>
+          <a:lstStyle/>
+          <a:p>
+            <a:r>
+              <a:rPr lang="en-US" dirty="0" smtClean="0"/>
+              <a:t>M</a:t>
+            </a:r>
+            <a:r>
+              <a:rPr lang="bg-BG" dirty="0" smtClean="0"/>
+              <a:t>vn cobertura:cobertura</a:t>
+            </a:r>
+            <a:endParaRPr lang="en-US" dirty="0"/>
+          </a:p>
+        </p:txBody>
+      </p:sp>
+      <p:sp>
+        <p:nvSpPr>
+          <p:cNvPr id="4" name="Slide Number Placeholder 3"/>
+          <p:cNvSpPr>
+            <a:spLocks noGrp="1"/>
+          </p:cNvSpPr>
+          <p:nvPr>
+            <p:ph type="sldNum" sz="quarter" idx="10"/>
+          </p:nvPr>
+        </p:nvSpPr>
+        <p:spPr/>
+        <p:txBody>
+          <a:bodyPr/>
+          <a:lstStyle/>
+          <a:p>
+            <a:pPr>
+              <a:defRPr/>
+            </a:pPr>
+            <a:fld id="{E2C33FFE-9E40-45AE-ADB4-459348747635}" type="slidenum">
+              <a:rPr lang="es-ES_tradnl" smtClean="0"/>
+              <a:pPr>
+                <a:defRPr/>
+              </a:pPr>
+              <a:t>8</a:t>
+            </a:fld>
+            <a:endParaRPr lang="es-ES_tradnl"/>
+          </a:p>
+        </p:txBody>
+      </p:sp>
+    </p:spTree>
+    <p:extLst>
+      <p:ext uri="{BB962C8B-B14F-4D97-AF65-F5344CB8AC3E}">
+        <p14:creationId xmlns:p14="http://schemas.microsoft.com/office/powerpoint/2010/main" val="552299814"/>
+      </p:ext>
+    </p:extLst>
+  </p:cSld>
+  <p:clrMapOvr>
+    <a:masterClrMapping/>
+  </p:clrMapOvr>
+</p:notes>
+</file>
+
+<file path=ppt/notesSlides/notesSlide3.xml><?xml version="1.0" encoding="utf-8"?>
+<p:notes xmlns:a="http://schemas.openxmlformats.org/drawingml/2006/main" xmlns:r="http://schemas.openxmlformats.org/officeDocument/2006/relationships" xmlns:p="http://schemas.openxmlformats.org/presentationml/2006/main">
+  <p:cSld>
+    <p:spTree>
+      <p:nvGrpSpPr>
+        <p:cNvPr id="1" name=""/>
+        <p:cNvGrpSpPr/>
+        <p:nvPr/>
+      </p:nvGrpSpPr>
+      <p:grpSpPr>
+        <a:xfrm>
+          <a:off x="0" y="0"/>
+          <a:ext cx="0" cy="0"/>
+          <a:chOff x="0" y="0"/>
+          <a:chExt cx="0" cy="0"/>
+        </a:xfrm>
+      </p:grpSpPr>
+      <p:sp>
+        <p:nvSpPr>
+          <p:cNvPr id="2" name="Slide Image Placeholder 1"/>
+          <p:cNvSpPr>
+            <a:spLocks noGrp="1" noRot="1" noChangeAspect="1"/>
+          </p:cNvSpPr>
+          <p:nvPr>
+            <p:ph type="sldImg"/>
+          </p:nvPr>
+        </p:nvSpPr>
+        <p:spPr/>
+      </p:sp>
+      <p:sp>
+        <p:nvSpPr>
+          <p:cNvPr id="3" name="Notes Placeholder 2"/>
+          <p:cNvSpPr>
+            <a:spLocks noGrp="1"/>
+          </p:cNvSpPr>
+          <p:nvPr>
+            <p:ph type="body" idx="1"/>
+          </p:nvPr>
+        </p:nvSpPr>
+        <p:spPr/>
+        <p:txBody>
+          <a:bodyPr/>
+          <a:lstStyle/>
+          <a:p>
+            <a:r>
+              <a:rPr lang="en-US" sz="1200" kern="1200" dirty="0" err="1" smtClean="0">
+                <a:solidFill>
+                  <a:schemeClr val="tx1"/>
+                </a:solidFill>
+                <a:latin typeface="Arial" charset="0"/>
+                <a:ea typeface="ＭＳ Ｐゴシック" charset="-128"/>
+                <a:cs typeface="ＭＳ Ｐゴシック" charset="-128"/>
+              </a:rPr>
+              <a:t>mvn</a:t>
+            </a:r>
+            <a:r>
+              <a:rPr lang="en-US" sz="1200" kern="1200" dirty="0" smtClean="0">
+                <a:solidFill>
+                  <a:schemeClr val="tx1"/>
+                </a:solidFill>
+                <a:latin typeface="Arial" charset="0"/>
+                <a:ea typeface="ＭＳ Ｐゴシック" charset="-128"/>
+                <a:cs typeface="ＭＳ Ｐゴシック" charset="-128"/>
+              </a:rPr>
+              <a:t> </a:t>
+            </a:r>
+            <a:r>
+              <a:rPr lang="en-US" sz="1200" kern="1200" dirty="0" err="1" smtClean="0">
+                <a:solidFill>
+                  <a:schemeClr val="tx1"/>
+                </a:solidFill>
+                <a:latin typeface="Arial" charset="0"/>
+                <a:ea typeface="ＭＳ Ｐゴシック" charset="-128"/>
+                <a:cs typeface="ＭＳ Ｐゴシック" charset="-128"/>
+              </a:rPr>
+              <a:t>archetype:create-from-project</a:t>
+            </a:r>
+            <a:endParaRPr lang="en-US" sz="1200" kern="1200" dirty="0" smtClean="0">
+              <a:solidFill>
+                <a:schemeClr val="tx1"/>
+              </a:solidFill>
+              <a:latin typeface="Arial" charset="0"/>
+              <a:ea typeface="ＭＳ Ｐゴシック" charset="-128"/>
+              <a:cs typeface="ＭＳ Ｐゴシック" charset="-128"/>
+            </a:endParaRPr>
+          </a:p>
+          <a:p>
+            <a:endParaRPr lang="en-US" dirty="0"/>
+          </a:p>
+        </p:txBody>
+      </p:sp>
+      <p:sp>
+        <p:nvSpPr>
+          <p:cNvPr id="4" name="Slide Number Placeholder 3"/>
+          <p:cNvSpPr>
+            <a:spLocks noGrp="1"/>
+          </p:cNvSpPr>
+          <p:nvPr>
+            <p:ph type="sldNum" sz="quarter" idx="10"/>
+          </p:nvPr>
+        </p:nvSpPr>
+        <p:spPr/>
+        <p:txBody>
+          <a:bodyPr/>
+          <a:lstStyle/>
+          <a:p>
+            <a:pPr>
+              <a:defRPr/>
+            </a:pPr>
+            <a:fld id="{E2C33FFE-9E40-45AE-ADB4-459348747635}" type="slidenum">
+              <a:rPr lang="es-ES_tradnl" smtClean="0"/>
+              <a:pPr>
+                <a:defRPr/>
+              </a:pPr>
+              <a:t>12</a:t>
+            </a:fld>
+            <a:endParaRPr lang="es-ES_tradnl"/>
+          </a:p>
+        </p:txBody>
+      </p:sp>
+    </p:spTree>
+    <p:extLst>
+      <p:ext uri="{BB962C8B-B14F-4D97-AF65-F5344CB8AC3E}">
+        <p14:creationId xmlns:p14="http://schemas.microsoft.com/office/powerpoint/2010/main" val="2395783512"/>
+      </p:ext>
+    </p:extLst>
+  </p:cSld>
+  <p:clrMapOvr>
+    <a:masterClrMapping/>
+  </p:clrMapOvr>
+</p:notes>
 </file>
 
 <file path=ppt/slideLayouts/slideLayout1.xml><?xml version="1.0" encoding="utf-8"?>
@@ -6528,8 +6849,27 @@
           <a:lstStyle/>
           <a:p>
             <a:r>
+              <a:rPr lang="en-US" dirty="0" err="1"/>
+              <a:t>mvn</a:t>
+            </a:r>
+            <a:r>
+              <a:rPr lang="en-US" dirty="0"/>
+              <a:t> install </a:t>
+            </a:r>
+            <a:r>
+              <a:rPr lang="en-US" dirty="0" err="1"/>
+              <a:t>archetype:update-local-catalog</a:t>
+            </a:r>
+            <a:endParaRPr lang="bg-BG" dirty="0" smtClean="0"/>
+          </a:p>
+          <a:p>
+            <a:r>
               <a:rPr lang="pt-BR" dirty="0" smtClean="0"/>
-              <a:t>É possível usar um </a:t>
+              <a:t>É </a:t>
+            </a:r>
+            <a:r>
+              <a:rPr lang="pt-BR" dirty="0" smtClean="0"/>
+              <a:t>possível usar um </a:t>
             </a:r>
             <a:r>
               <a:rPr lang="pt-BR" dirty="0" err="1" smtClean="0"/>
@@ -6739,16 +7079,267 @@
               <a:t>=</a:t>
             </a:r>
             <a:r>
+              <a:rPr lang="bg-BG" sz="1600" dirty="0" smtClean="0">
+                <a:solidFill>
+                  <a:srgbClr val="C00000"/>
+                </a:solidFill>
+                <a:latin typeface="Consolas" pitchFamily="49" charset="0"/>
+                <a:cs typeface="Consolas" pitchFamily="49" charset="0"/>
+              </a:rPr>
+              <a:t>my-artifactid</a:t>
+            </a:r>
+          </a:p>
+          <a:p>
+            <a:pPr lvl="1">
+              <a:buNone/>
+            </a:pPr>
+            <a:r>
+              <a:rPr lang="bg-BG" sz="1400" dirty="0" smtClean="0">
+                <a:solidFill>
+                  <a:srgbClr val="7030A0"/>
+                </a:solidFill>
+                <a:latin typeface="Consolas" pitchFamily="49" charset="0"/>
+                <a:cs typeface="Consolas" pitchFamily="49" charset="0"/>
+              </a:rPr>
+              <a:t>  </a:t>
+            </a:r>
+            <a:r>
               <a:rPr lang="en-US" sz="1600" dirty="0" smtClean="0">
                 <a:solidFill>
+                  <a:srgbClr val="7030A0"/>
+                </a:solidFill>
+                <a:latin typeface="Consolas" pitchFamily="49" charset="0"/>
+                <a:cs typeface="Consolas" pitchFamily="49" charset="0"/>
+              </a:rPr>
+              <a:t>-</a:t>
+            </a:r>
+            <a:r>
+              <a:rPr lang="en-US" sz="1600" dirty="0" err="1" smtClean="0">
+                <a:solidFill>
+                  <a:srgbClr val="7030A0"/>
+                </a:solidFill>
+                <a:latin typeface="Consolas" pitchFamily="49" charset="0"/>
+                <a:cs typeface="Consolas" pitchFamily="49" charset="0"/>
+              </a:rPr>
+              <a:t>Darchetype</a:t>
+            </a:r>
+            <a:r>
+              <a:rPr lang="bg-BG" sz="1600" dirty="0" smtClean="0">
+                <a:solidFill>
+                  <a:srgbClr val="7030A0"/>
+                </a:solidFill>
+                <a:latin typeface="Consolas" pitchFamily="49" charset="0"/>
+                <a:cs typeface="Consolas" pitchFamily="49" charset="0"/>
+              </a:rPr>
+              <a:t>Group</a:t>
+            </a:r>
+            <a:r>
+              <a:rPr lang="en-US" sz="1600" dirty="0" err="1" smtClean="0">
+                <a:solidFill>
+                  <a:srgbClr val="7030A0"/>
+                </a:solidFill>
+                <a:latin typeface="Consolas" pitchFamily="49" charset="0"/>
+                <a:cs typeface="Consolas" pitchFamily="49" charset="0"/>
+              </a:rPr>
+              <a:t>tId</a:t>
+            </a:r>
+            <a:r>
+              <a:rPr lang="en-US" sz="1600" dirty="0">
+                <a:solidFill>
+                  <a:srgbClr val="7030A0"/>
+                </a:solidFill>
+                <a:latin typeface="Consolas" pitchFamily="49" charset="0"/>
+                <a:cs typeface="Consolas" pitchFamily="49" charset="0"/>
+              </a:rPr>
+              <a:t>=</a:t>
+            </a:r>
+            <a:r>
+              <a:rPr lang="en-US" sz="1600" dirty="0" smtClean="0">
+                <a:solidFill>
                   <a:srgbClr val="C00000"/>
                 </a:solidFill>
                 <a:latin typeface="Consolas" pitchFamily="49" charset="0"/>
                 <a:cs typeface="Consolas" pitchFamily="49" charset="0"/>
               </a:rPr>
-              <a:t>maven-archetype-archetype</a:t>
-            </a:r>
-            <a:endParaRPr lang="en-US" sz="1400" dirty="0" smtClean="0">
+              <a:t>m</a:t>
+            </a:r>
+            <a:r>
+              <a:rPr lang="bg-BG" sz="1600" dirty="0" smtClean="0">
+                <a:solidFill>
+                  <a:srgbClr val="C00000"/>
+                </a:solidFill>
+                <a:latin typeface="Consolas" pitchFamily="49" charset="0"/>
+                <a:cs typeface="Consolas" pitchFamily="49" charset="0"/>
+              </a:rPr>
+              <a:t>y-groupid</a:t>
+            </a:r>
+          </a:p>
+          <a:p>
+            <a:pPr lvl="1">
+              <a:buNone/>
+            </a:pPr>
+            <a:r>
+              <a:rPr lang="bg-BG" sz="1600" dirty="0">
+                <a:solidFill>
+                  <a:srgbClr val="C00000"/>
+                </a:solidFill>
+                <a:latin typeface="Consolas" pitchFamily="49" charset="0"/>
+                <a:cs typeface="Consolas" pitchFamily="49" charset="0"/>
+              </a:rPr>
+              <a:t> </a:t>
+            </a:r>
+            <a:r>
+              <a:rPr lang="bg-BG" sz="1600" dirty="0" smtClean="0">
+                <a:solidFill>
+                  <a:srgbClr val="C00000"/>
+                </a:solidFill>
+                <a:latin typeface="Consolas" pitchFamily="49" charset="0"/>
+                <a:cs typeface="Consolas" pitchFamily="49" charset="0"/>
+              </a:rPr>
+              <a:t> </a:t>
+            </a:r>
+            <a:r>
+              <a:rPr lang="en-US" sz="1600" dirty="0">
+                <a:solidFill>
+                  <a:srgbClr val="7030A0"/>
+                </a:solidFill>
+                <a:latin typeface="Consolas" pitchFamily="49" charset="0"/>
+                <a:cs typeface="Consolas" pitchFamily="49" charset="0"/>
+              </a:rPr>
+              <a:t>-</a:t>
+            </a:r>
+            <a:r>
+              <a:rPr lang="en-US" sz="1600" dirty="0" err="1" smtClean="0">
+                <a:solidFill>
+                  <a:srgbClr val="7030A0"/>
+                </a:solidFill>
+                <a:latin typeface="Consolas" pitchFamily="49" charset="0"/>
+                <a:cs typeface="Consolas" pitchFamily="49" charset="0"/>
+              </a:rPr>
+              <a:t>Darchetype</a:t>
+            </a:r>
+            <a:r>
+              <a:rPr lang="bg-BG" sz="1600" dirty="0" smtClean="0">
+                <a:solidFill>
+                  <a:srgbClr val="7030A0"/>
+                </a:solidFill>
+                <a:latin typeface="Consolas" pitchFamily="49" charset="0"/>
+                <a:cs typeface="Consolas" pitchFamily="49" charset="0"/>
+              </a:rPr>
+              <a:t>Version</a:t>
+            </a:r>
+            <a:r>
+              <a:rPr lang="en-US" sz="1600" dirty="0" smtClean="0">
+                <a:solidFill>
+                  <a:srgbClr val="7030A0"/>
+                </a:solidFill>
+                <a:latin typeface="Consolas" pitchFamily="49" charset="0"/>
+                <a:cs typeface="Consolas" pitchFamily="49" charset="0"/>
+              </a:rPr>
+              <a:t>=</a:t>
+            </a:r>
+            <a:r>
+              <a:rPr lang="bg-BG" sz="1600" dirty="0" smtClean="0">
+                <a:solidFill>
+                  <a:srgbClr val="C00000"/>
+                </a:solidFill>
+                <a:latin typeface="Consolas" pitchFamily="49" charset="0"/>
+                <a:cs typeface="Consolas" pitchFamily="49" charset="0"/>
+              </a:rPr>
+              <a:t>my-version</a:t>
+            </a:r>
+          </a:p>
+          <a:p>
+            <a:pPr lvl="1">
+              <a:buNone/>
+            </a:pPr>
+            <a:r>
+              <a:rPr lang="bg-BG" sz="1600" dirty="0" smtClean="0">
+                <a:solidFill>
+                  <a:srgbClr val="660066"/>
+                </a:solidFill>
+                <a:latin typeface="Consolas"/>
+                <a:cs typeface="Consolas"/>
+              </a:rPr>
+              <a:t>  </a:t>
+            </a:r>
+            <a:r>
+              <a:rPr lang="en-US" sz="1600" dirty="0" smtClean="0">
+                <a:solidFill>
+                  <a:srgbClr val="660066"/>
+                </a:solidFill>
+                <a:latin typeface="Consolas"/>
+                <a:cs typeface="Consolas"/>
+              </a:rPr>
+              <a:t>-</a:t>
+            </a:r>
+            <a:r>
+              <a:rPr lang="en-US" sz="1600" dirty="0" err="1">
+                <a:solidFill>
+                  <a:srgbClr val="660066"/>
+                </a:solidFill>
+                <a:latin typeface="Consolas"/>
+                <a:cs typeface="Consolas"/>
+              </a:rPr>
+              <a:t>DinteractiveMode</a:t>
+            </a:r>
+            <a:r>
+              <a:rPr lang="en-US" sz="1600" dirty="0">
+                <a:solidFill>
+                  <a:srgbClr val="660066"/>
+                </a:solidFill>
+                <a:latin typeface="Consolas"/>
+                <a:cs typeface="Consolas"/>
+              </a:rPr>
+              <a:t>=</a:t>
+            </a:r>
+            <a:r>
+              <a:rPr lang="en-US" sz="1600" dirty="0">
+                <a:solidFill>
+                  <a:srgbClr val="FF0000"/>
+                </a:solidFill>
+                <a:latin typeface="Consolas"/>
+                <a:cs typeface="Consolas"/>
+              </a:rPr>
+              <a:t>false</a:t>
+            </a:r>
+            <a:endParaRPr lang="bg-BG" sz="1600" dirty="0" smtClean="0">
+              <a:solidFill>
+                <a:srgbClr val="FF0000"/>
+              </a:solidFill>
+              <a:latin typeface="Consolas"/>
+              <a:cs typeface="Consolas"/>
+            </a:endParaRPr>
+          </a:p>
+          <a:p>
+            <a:pPr lvl="1">
+              <a:buNone/>
+            </a:pPr>
+            <a:endParaRPr lang="en-US" sz="1600" dirty="0">
+              <a:solidFill>
+                <a:srgbClr val="C00000"/>
+              </a:solidFill>
+              <a:latin typeface="Consolas" pitchFamily="49" charset="0"/>
+              <a:cs typeface="Consolas" pitchFamily="49" charset="0"/>
+            </a:endParaRPr>
+          </a:p>
+          <a:p>
+            <a:pPr lvl="1">
+              <a:buNone/>
+            </a:pPr>
+            <a:endParaRPr lang="en-US" sz="1600" dirty="0">
+              <a:solidFill>
+                <a:srgbClr val="C00000"/>
+              </a:solidFill>
+              <a:latin typeface="Consolas" pitchFamily="49" charset="0"/>
+              <a:cs typeface="Consolas" pitchFamily="49" charset="0"/>
+            </a:endParaRPr>
+          </a:p>
+          <a:p>
+            <a:pPr lvl="1">
+              <a:buNone/>
+            </a:pPr>
+            <a:endParaRPr lang="en-US" sz="1600" dirty="0" smtClean="0">
               <a:solidFill>
                 <a:srgbClr val="C00000"/>
               </a:solidFill>
@@ -9091,7 +9682,7 @@
           <p:nvPr/>
         </p:nvPicPr>
         <p:blipFill>
-          <a:blip r:embed="rId2"/>
+          <a:blip r:embed="rId3"/>
           <a:srcRect/>
           <a:stretch>
             <a:fillRect/>
